--- a/design/2020/image_proposal/img/diagrams.pptx
+++ b/design/2020/image_proposal/img/diagrams.pptx
@@ -104,6 +104,11 @@
       </a:defRPr>
     </a:lvl9pPr>
   </p:defaultTextStyle>
+  <p:extLst>
+    <p:ext uri="{EFAFB233-063F-42B5-8137-9DF3F51BA10A}">
+      <p15:sldGuideLst xmlns:p15="http://schemas.microsoft.com/office/powerpoint/2012/main"/>
+    </p:ext>
+  </p:extLst>
 </p:presentation>
 </file>
 
@@ -3612,7 +3617,7 @@
             <a:pPr algn="ctr"/>
             <a:r>
               <a:rPr lang="en-US" dirty="0"/>
-              <a:t>Green + black final image</a:t>
+              <a:t>Circle + parallelogram final image</a:t>
             </a:r>
           </a:p>
         </p:txBody>
@@ -3648,7 +3653,7 @@
             <a:pPr algn="ctr"/>
             <a:r>
               <a:rPr lang="en-US" dirty="0"/>
-              <a:t>Full layer final image</a:t>
+              <a:t>All layer final image</a:t>
             </a:r>
           </a:p>
         </p:txBody>
@@ -3842,7 +3847,7 @@
             <a:pPr algn="ctr"/>
             <a:r>
               <a:rPr lang="en-US" dirty="0"/>
-              <a:t>Circle element</a:t>
+              <a:t>circle layer</a:t>
             </a:r>
           </a:p>
         </p:txBody>
@@ -3878,7 +3883,7 @@
             <a:pPr algn="ctr"/>
             <a:r>
               <a:rPr lang="en-US" dirty="0"/>
-              <a:t>parallelogram element</a:t>
+              <a:t>parallelogram layer</a:t>
             </a:r>
           </a:p>
         </p:txBody>
@@ -3914,7 +3919,7 @@
             <a:pPr algn="ctr"/>
             <a:r>
               <a:rPr lang="en-US" dirty="0"/>
-              <a:t>triangle element</a:t>
+              <a:t>triangle layer</a:t>
             </a:r>
           </a:p>
         </p:txBody>
